--- a/K_3_10s.pptx
+++ b/K_3_10s.pptx
@@ -243,7 +243,7 @@
           <a:p>
             <a:fld id="{45C63EEC-6896-F143-BD4C-2659C2B2C5ED}" type="datetimeFigureOut">
               <a:rPr lang="en-US" smtClean="0"/>
-              <a:t>8/13/21</a:t>
+              <a:t>8/19/21</a:t>
             </a:fld>
             <a:endParaRPr lang="en-US"/>
           </a:p>
@@ -413,7 +413,7 @@
           <a:p>
             <a:fld id="{45C63EEC-6896-F143-BD4C-2659C2B2C5ED}" type="datetimeFigureOut">
               <a:rPr lang="en-US" smtClean="0"/>
-              <a:t>8/13/21</a:t>
+              <a:t>8/19/21</a:t>
             </a:fld>
             <a:endParaRPr lang="en-US"/>
           </a:p>
@@ -593,7 +593,7 @@
           <a:p>
             <a:fld id="{45C63EEC-6896-F143-BD4C-2659C2B2C5ED}" type="datetimeFigureOut">
               <a:rPr lang="en-US" smtClean="0"/>
-              <a:t>8/13/21</a:t>
+              <a:t>8/19/21</a:t>
             </a:fld>
             <a:endParaRPr lang="en-US"/>
           </a:p>
@@ -763,7 +763,7 @@
           <a:p>
             <a:fld id="{45C63EEC-6896-F143-BD4C-2659C2B2C5ED}" type="datetimeFigureOut">
               <a:rPr lang="en-US" smtClean="0"/>
-              <a:t>8/13/21</a:t>
+              <a:t>8/19/21</a:t>
             </a:fld>
             <a:endParaRPr lang="en-US"/>
           </a:p>
@@ -1009,7 +1009,7 @@
           <a:p>
             <a:fld id="{45C63EEC-6896-F143-BD4C-2659C2B2C5ED}" type="datetimeFigureOut">
               <a:rPr lang="en-US" smtClean="0"/>
-              <a:t>8/13/21</a:t>
+              <a:t>8/19/21</a:t>
             </a:fld>
             <a:endParaRPr lang="en-US"/>
           </a:p>
@@ -1241,7 +1241,7 @@
           <a:p>
             <a:fld id="{45C63EEC-6896-F143-BD4C-2659C2B2C5ED}" type="datetimeFigureOut">
               <a:rPr lang="en-US" smtClean="0"/>
-              <a:t>8/13/21</a:t>
+              <a:t>8/19/21</a:t>
             </a:fld>
             <a:endParaRPr lang="en-US"/>
           </a:p>
@@ -1608,7 +1608,7 @@
           <a:p>
             <a:fld id="{45C63EEC-6896-F143-BD4C-2659C2B2C5ED}" type="datetimeFigureOut">
               <a:rPr lang="en-US" smtClean="0"/>
-              <a:t>8/13/21</a:t>
+              <a:t>8/19/21</a:t>
             </a:fld>
             <a:endParaRPr lang="en-US"/>
           </a:p>
@@ -1726,7 +1726,7 @@
           <a:p>
             <a:fld id="{45C63EEC-6896-F143-BD4C-2659C2B2C5ED}" type="datetimeFigureOut">
               <a:rPr lang="en-US" smtClean="0"/>
-              <a:t>8/13/21</a:t>
+              <a:t>8/19/21</a:t>
             </a:fld>
             <a:endParaRPr lang="en-US"/>
           </a:p>
@@ -1821,7 +1821,7 @@
           <a:p>
             <a:fld id="{45C63EEC-6896-F143-BD4C-2659C2B2C5ED}" type="datetimeFigureOut">
               <a:rPr lang="en-US" smtClean="0"/>
-              <a:t>8/13/21</a:t>
+              <a:t>8/19/21</a:t>
             </a:fld>
             <a:endParaRPr lang="en-US"/>
           </a:p>
@@ -2098,7 +2098,7 @@
           <a:p>
             <a:fld id="{45C63EEC-6896-F143-BD4C-2659C2B2C5ED}" type="datetimeFigureOut">
               <a:rPr lang="en-US" smtClean="0"/>
-              <a:t>8/13/21</a:t>
+              <a:t>8/19/21</a:t>
             </a:fld>
             <a:endParaRPr lang="en-US"/>
           </a:p>
@@ -2355,7 +2355,7 @@
           <a:p>
             <a:fld id="{45C63EEC-6896-F143-BD4C-2659C2B2C5ED}" type="datetimeFigureOut">
               <a:rPr lang="en-US" smtClean="0"/>
-              <a:t>8/13/21</a:t>
+              <a:t>8/19/21</a:t>
             </a:fld>
             <a:endParaRPr lang="en-US"/>
           </a:p>
@@ -2568,7 +2568,7 @@
           <a:p>
             <a:fld id="{45C63EEC-6896-F143-BD4C-2659C2B2C5ED}" type="datetimeFigureOut">
               <a:rPr lang="en-US" smtClean="0"/>
-              <a:t>8/13/21</a:t>
+              <a:t>8/19/21</a:t>
             </a:fld>
             <a:endParaRPr lang="en-US"/>
           </a:p>
@@ -2973,8 +2973,8 @@
           <a:chExt cx="0" cy="0"/>
         </a:xfrm>
       </p:grpSpPr>
-      <mc:AlternateContent xmlns:mc="http://schemas.openxmlformats.org/markup-compatibility/2006">
-        <mc:Choice xmlns:a14="http://schemas.microsoft.com/office/drawing/2010/main" Requires="a14">
+      <mc:AlternateContent xmlns:mc="http://schemas.openxmlformats.org/markup-compatibility/2006" xmlns:a14="http://schemas.microsoft.com/office/drawing/2010/main">
+        <mc:Choice Requires="a14">
           <p:sp>
             <p:nvSpPr>
               <p:cNvPr id="475" name="TextBox 474">
@@ -3014,13 +3014,7 @@
                         <a:rPr lang="en-US" b="0" i="1" smtClean="0">
                           <a:latin typeface="Cambria Math" panose="02040503050406030204" pitchFamily="18" charset="0"/>
                         </a:rPr>
-                        <m:t>|0,0,10</m:t>
-                      </m:r>
-                      <m:r>
-                        <a:rPr lang="en-US" b="0" i="1" smtClean="0">
-                          <a:latin typeface="Cambria Math" panose="02040503050406030204" pitchFamily="18" charset="0"/>
-                        </a:rPr>
-                        <m:t>&gt;</m:t>
+                        <m:t>|0,0,10&gt;</m:t>
                       </m:r>
                     </m:oMath>
                   </m:oMathPara>
@@ -3030,7 +3024,7 @@
             </p:txBody>
           </p:sp>
         </mc:Choice>
-        <mc:Fallback>
+        <mc:Fallback xmlns="">
           <p:sp>
             <p:nvSpPr>
               <p:cNvPr id="475" name="TextBox 474">
@@ -3075,8 +3069,8 @@
           </p:sp>
         </mc:Fallback>
       </mc:AlternateContent>
-      <mc:AlternateContent xmlns:mc="http://schemas.openxmlformats.org/markup-compatibility/2006">
-        <mc:Choice xmlns:a14="http://schemas.microsoft.com/office/drawing/2010/main" Requires="a14">
+      <mc:AlternateContent xmlns:mc="http://schemas.openxmlformats.org/markup-compatibility/2006" xmlns:a14="http://schemas.microsoft.com/office/drawing/2010/main">
+        <mc:Choice Requires="a14">
           <p:sp>
             <p:nvSpPr>
               <p:cNvPr id="476" name="TextBox 475">
@@ -3116,13 +3110,7 @@
                         <a:rPr lang="en-US" b="0" i="1" smtClean="0">
                           <a:latin typeface="Cambria Math" panose="02040503050406030204" pitchFamily="18" charset="0"/>
                         </a:rPr>
-                        <m:t>|0,1,9</m:t>
-                      </m:r>
-                      <m:r>
-                        <a:rPr lang="en-US" b="0" i="1" smtClean="0">
-                          <a:latin typeface="Cambria Math" panose="02040503050406030204" pitchFamily="18" charset="0"/>
-                        </a:rPr>
-                        <m:t>&gt;</m:t>
+                        <m:t>|0,1,9&gt;</m:t>
                       </m:r>
                     </m:oMath>
                   </m:oMathPara>
@@ -3132,7 +3120,7 @@
             </p:txBody>
           </p:sp>
         </mc:Choice>
-        <mc:Fallback>
+        <mc:Fallback xmlns="">
           <p:sp>
             <p:nvSpPr>
               <p:cNvPr id="476" name="TextBox 475">
@@ -3177,8 +3165,8 @@
           </p:sp>
         </mc:Fallback>
       </mc:AlternateContent>
-      <mc:AlternateContent xmlns:mc="http://schemas.openxmlformats.org/markup-compatibility/2006">
-        <mc:Choice xmlns:a14="http://schemas.microsoft.com/office/drawing/2010/main" Requires="a14">
+      <mc:AlternateContent xmlns:mc="http://schemas.openxmlformats.org/markup-compatibility/2006" xmlns:a14="http://schemas.microsoft.com/office/drawing/2010/main">
+        <mc:Choice Requires="a14">
           <p:sp>
             <p:nvSpPr>
               <p:cNvPr id="477" name="TextBox 476">
@@ -3218,13 +3206,7 @@
                         <a:rPr lang="en-US" b="0" i="1" smtClean="0">
                           <a:latin typeface="Cambria Math" panose="02040503050406030204" pitchFamily="18" charset="0"/>
                         </a:rPr>
-                        <m:t>|0,2,8</m:t>
-                      </m:r>
-                      <m:r>
-                        <a:rPr lang="en-US" b="0" i="1" smtClean="0">
-                          <a:latin typeface="Cambria Math" panose="02040503050406030204" pitchFamily="18" charset="0"/>
-                        </a:rPr>
-                        <m:t>&gt;</m:t>
+                        <m:t>|0,2,8&gt;</m:t>
                       </m:r>
                     </m:oMath>
                   </m:oMathPara>
@@ -3234,7 +3216,7 @@
             </p:txBody>
           </p:sp>
         </mc:Choice>
-        <mc:Fallback>
+        <mc:Fallback xmlns="">
           <p:sp>
             <p:nvSpPr>
               <p:cNvPr id="477" name="TextBox 476">
@@ -3279,8 +3261,8 @@
           </p:sp>
         </mc:Fallback>
       </mc:AlternateContent>
-      <mc:AlternateContent xmlns:mc="http://schemas.openxmlformats.org/markup-compatibility/2006">
-        <mc:Choice xmlns:a14="http://schemas.microsoft.com/office/drawing/2010/main" Requires="a14">
+      <mc:AlternateContent xmlns:mc="http://schemas.openxmlformats.org/markup-compatibility/2006" xmlns:a14="http://schemas.microsoft.com/office/drawing/2010/main">
+        <mc:Choice Requires="a14">
           <p:sp>
             <p:nvSpPr>
               <p:cNvPr id="478" name="TextBox 477">
@@ -3320,13 +3302,7 @@
                         <a:rPr lang="en-US" b="0" i="1" smtClean="0">
                           <a:latin typeface="Cambria Math" panose="02040503050406030204" pitchFamily="18" charset="0"/>
                         </a:rPr>
-                        <m:t>|0,3,7</m:t>
-                      </m:r>
-                      <m:r>
-                        <a:rPr lang="en-US" b="0" i="1" smtClean="0">
-                          <a:latin typeface="Cambria Math" panose="02040503050406030204" pitchFamily="18" charset="0"/>
-                        </a:rPr>
-                        <m:t>&gt;</m:t>
+                        <m:t>|0,3,7&gt;</m:t>
                       </m:r>
                     </m:oMath>
                   </m:oMathPara>
@@ -3336,7 +3312,7 @@
             </p:txBody>
           </p:sp>
         </mc:Choice>
-        <mc:Fallback>
+        <mc:Fallback xmlns="">
           <p:sp>
             <p:nvSpPr>
               <p:cNvPr id="478" name="TextBox 477">
@@ -3381,8 +3357,8 @@
           </p:sp>
         </mc:Fallback>
       </mc:AlternateContent>
-      <mc:AlternateContent xmlns:mc="http://schemas.openxmlformats.org/markup-compatibility/2006">
-        <mc:Choice xmlns:a14="http://schemas.microsoft.com/office/drawing/2010/main" Requires="a14">
+      <mc:AlternateContent xmlns:mc="http://schemas.openxmlformats.org/markup-compatibility/2006" xmlns:a14="http://schemas.microsoft.com/office/drawing/2010/main">
+        <mc:Choice Requires="a14">
           <p:sp>
             <p:nvSpPr>
               <p:cNvPr id="479" name="TextBox 478">
@@ -3422,13 +3398,7 @@
                         <a:rPr lang="en-US" b="0" i="1" smtClean="0">
                           <a:latin typeface="Cambria Math" panose="02040503050406030204" pitchFamily="18" charset="0"/>
                         </a:rPr>
-                        <m:t>|0,4,6</m:t>
-                      </m:r>
-                      <m:r>
-                        <a:rPr lang="en-US" b="0" i="1" smtClean="0">
-                          <a:latin typeface="Cambria Math" panose="02040503050406030204" pitchFamily="18" charset="0"/>
-                        </a:rPr>
-                        <m:t>&gt;</m:t>
+                        <m:t>|0,4,6&gt;</m:t>
                       </m:r>
                     </m:oMath>
                   </m:oMathPara>
@@ -3438,7 +3408,7 @@
             </p:txBody>
           </p:sp>
         </mc:Choice>
-        <mc:Fallback>
+        <mc:Fallback xmlns="">
           <p:sp>
             <p:nvSpPr>
               <p:cNvPr id="479" name="TextBox 478">
@@ -3693,8 +3663,8 @@
           </a:fontRef>
         </p:style>
       </p:cxnSp>
-      <mc:AlternateContent xmlns:mc="http://schemas.openxmlformats.org/markup-compatibility/2006">
-        <mc:Choice xmlns:a14="http://schemas.microsoft.com/office/drawing/2010/main" Requires="a14">
+      <mc:AlternateContent xmlns:mc="http://schemas.openxmlformats.org/markup-compatibility/2006" xmlns:a14="http://schemas.microsoft.com/office/drawing/2010/main">
+        <mc:Choice Requires="a14">
           <p:sp>
             <p:nvSpPr>
               <p:cNvPr id="485" name="TextBox 484">
@@ -3734,13 +3704,7 @@
                         <a:rPr lang="en-US" b="0" i="1" smtClean="0">
                           <a:latin typeface="Cambria Math" panose="02040503050406030204" pitchFamily="18" charset="0"/>
                         </a:rPr>
-                        <m:t>|1,0,9</m:t>
-                      </m:r>
-                      <m:r>
-                        <a:rPr lang="en-US" b="0" i="1" smtClean="0">
-                          <a:latin typeface="Cambria Math" panose="02040503050406030204" pitchFamily="18" charset="0"/>
-                        </a:rPr>
-                        <m:t>&gt;</m:t>
+                        <m:t>|1,0,9&gt;</m:t>
                       </m:r>
                     </m:oMath>
                   </m:oMathPara>
@@ -3750,7 +3714,7 @@
             </p:txBody>
           </p:sp>
         </mc:Choice>
-        <mc:Fallback>
+        <mc:Fallback xmlns="">
           <p:sp>
             <p:nvSpPr>
               <p:cNvPr id="485" name="TextBox 484">
@@ -3795,8 +3759,8 @@
           </p:sp>
         </mc:Fallback>
       </mc:AlternateContent>
-      <mc:AlternateContent xmlns:mc="http://schemas.openxmlformats.org/markup-compatibility/2006">
-        <mc:Choice xmlns:a14="http://schemas.microsoft.com/office/drawing/2010/main" Requires="a14">
+      <mc:AlternateContent xmlns:mc="http://schemas.openxmlformats.org/markup-compatibility/2006" xmlns:a14="http://schemas.microsoft.com/office/drawing/2010/main">
+        <mc:Choice Requires="a14">
           <p:sp>
             <p:nvSpPr>
               <p:cNvPr id="486" name="TextBox 485">
@@ -3836,13 +3800,7 @@
                         <a:rPr lang="en-US" b="0" i="1" smtClean="0">
                           <a:latin typeface="Cambria Math" panose="02040503050406030204" pitchFamily="18" charset="0"/>
                         </a:rPr>
-                        <m:t>|1,1,8</m:t>
-                      </m:r>
-                      <m:r>
-                        <a:rPr lang="en-US" b="0" i="1" smtClean="0">
-                          <a:latin typeface="Cambria Math" panose="02040503050406030204" pitchFamily="18" charset="0"/>
-                        </a:rPr>
-                        <m:t>&gt;</m:t>
+                        <m:t>|1,1,8&gt;</m:t>
                       </m:r>
                     </m:oMath>
                   </m:oMathPara>
@@ -3852,7 +3810,7 @@
             </p:txBody>
           </p:sp>
         </mc:Choice>
-        <mc:Fallback>
+        <mc:Fallback xmlns="">
           <p:sp>
             <p:nvSpPr>
               <p:cNvPr id="486" name="TextBox 485">
@@ -3897,8 +3855,8 @@
           </p:sp>
         </mc:Fallback>
       </mc:AlternateContent>
-      <mc:AlternateContent xmlns:mc="http://schemas.openxmlformats.org/markup-compatibility/2006">
-        <mc:Choice xmlns:a14="http://schemas.microsoft.com/office/drawing/2010/main" Requires="a14">
+      <mc:AlternateContent xmlns:mc="http://schemas.openxmlformats.org/markup-compatibility/2006" xmlns:a14="http://schemas.microsoft.com/office/drawing/2010/main">
+        <mc:Choice Requires="a14">
           <p:sp>
             <p:nvSpPr>
               <p:cNvPr id="487" name="TextBox 486">
@@ -3938,13 +3896,7 @@
                         <a:rPr lang="en-US" b="0" i="1" smtClean="0">
                           <a:latin typeface="Cambria Math" panose="02040503050406030204" pitchFamily="18" charset="0"/>
                         </a:rPr>
-                        <m:t>|1,2,7</m:t>
-                      </m:r>
-                      <m:r>
-                        <a:rPr lang="en-US" b="0" i="1" smtClean="0">
-                          <a:latin typeface="Cambria Math" panose="02040503050406030204" pitchFamily="18" charset="0"/>
-                        </a:rPr>
-                        <m:t>&gt;</m:t>
+                        <m:t>|1,2,7&gt;</m:t>
                       </m:r>
                     </m:oMath>
                   </m:oMathPara>
@@ -3954,7 +3906,7 @@
             </p:txBody>
           </p:sp>
         </mc:Choice>
-        <mc:Fallback>
+        <mc:Fallback xmlns="">
           <p:sp>
             <p:nvSpPr>
               <p:cNvPr id="487" name="TextBox 486">
@@ -3999,8 +3951,8 @@
           </p:sp>
         </mc:Fallback>
       </mc:AlternateContent>
-      <mc:AlternateContent xmlns:mc="http://schemas.openxmlformats.org/markup-compatibility/2006">
-        <mc:Choice xmlns:a14="http://schemas.microsoft.com/office/drawing/2010/main" Requires="a14">
+      <mc:AlternateContent xmlns:mc="http://schemas.openxmlformats.org/markup-compatibility/2006" xmlns:a14="http://schemas.microsoft.com/office/drawing/2010/main">
+        <mc:Choice Requires="a14">
           <p:sp>
             <p:nvSpPr>
               <p:cNvPr id="488" name="TextBox 487">
@@ -4040,13 +3992,7 @@
                         <a:rPr lang="en-US" b="0" i="1" smtClean="0">
                           <a:latin typeface="Cambria Math" panose="02040503050406030204" pitchFamily="18" charset="0"/>
                         </a:rPr>
-                        <m:t>|1,3,6</m:t>
-                      </m:r>
-                      <m:r>
-                        <a:rPr lang="en-US" b="0" i="1" smtClean="0">
-                          <a:latin typeface="Cambria Math" panose="02040503050406030204" pitchFamily="18" charset="0"/>
-                        </a:rPr>
-                        <m:t>&gt;</m:t>
+                        <m:t>|1,3,6&gt;</m:t>
                       </m:r>
                     </m:oMath>
                   </m:oMathPara>
@@ -4056,7 +4002,7 @@
             </p:txBody>
           </p:sp>
         </mc:Choice>
-        <mc:Fallback>
+        <mc:Fallback xmlns="">
           <p:sp>
             <p:nvSpPr>
               <p:cNvPr id="488" name="TextBox 487">
@@ -4101,8 +4047,8 @@
           </p:sp>
         </mc:Fallback>
       </mc:AlternateContent>
-      <mc:AlternateContent xmlns:mc="http://schemas.openxmlformats.org/markup-compatibility/2006">
-        <mc:Choice xmlns:a14="http://schemas.microsoft.com/office/drawing/2010/main" Requires="a14">
+      <mc:AlternateContent xmlns:mc="http://schemas.openxmlformats.org/markup-compatibility/2006" xmlns:a14="http://schemas.microsoft.com/office/drawing/2010/main">
+        <mc:Choice Requires="a14">
           <p:sp>
             <p:nvSpPr>
               <p:cNvPr id="489" name="TextBox 488">
@@ -4142,13 +4088,7 @@
                         <a:rPr lang="en-US" b="0" i="1" smtClean="0">
                           <a:latin typeface="Cambria Math" panose="02040503050406030204" pitchFamily="18" charset="0"/>
                         </a:rPr>
-                        <m:t>|1,4,5</m:t>
-                      </m:r>
-                      <m:r>
-                        <a:rPr lang="en-US" b="0" i="1" smtClean="0">
-                          <a:latin typeface="Cambria Math" panose="02040503050406030204" pitchFamily="18" charset="0"/>
-                        </a:rPr>
-                        <m:t>&gt;</m:t>
+                        <m:t>|1,4,5&gt;</m:t>
                       </m:r>
                     </m:oMath>
                   </m:oMathPara>
@@ -4158,7 +4098,7 @@
             </p:txBody>
           </p:sp>
         </mc:Choice>
-        <mc:Fallback>
+        <mc:Fallback xmlns="">
           <p:sp>
             <p:nvSpPr>
               <p:cNvPr id="489" name="TextBox 488">
@@ -4749,8 +4689,8 @@
           </a:fontRef>
         </p:style>
       </p:cxnSp>
-      <mc:AlternateContent xmlns:mc="http://schemas.openxmlformats.org/markup-compatibility/2006">
-        <mc:Choice xmlns:a14="http://schemas.microsoft.com/office/drawing/2010/main" Requires="a14">
+      <mc:AlternateContent xmlns:mc="http://schemas.openxmlformats.org/markup-compatibility/2006" xmlns:a14="http://schemas.microsoft.com/office/drawing/2010/main">
+        <mc:Choice Requires="a14">
           <p:sp>
             <p:nvSpPr>
               <p:cNvPr id="503" name="TextBox 502">
@@ -4790,13 +4730,7 @@
                         <a:rPr lang="en-US" b="0" i="1" smtClean="0">
                           <a:latin typeface="Cambria Math" panose="02040503050406030204" pitchFamily="18" charset="0"/>
                         </a:rPr>
-                        <m:t>|2,0,8</m:t>
-                      </m:r>
-                      <m:r>
-                        <a:rPr lang="en-US" b="0" i="1" smtClean="0">
-                          <a:latin typeface="Cambria Math" panose="02040503050406030204" pitchFamily="18" charset="0"/>
-                        </a:rPr>
-                        <m:t>&gt;</m:t>
+                        <m:t>|2,0,8&gt;</m:t>
                       </m:r>
                     </m:oMath>
                   </m:oMathPara>
@@ -4806,7 +4740,7 @@
             </p:txBody>
           </p:sp>
         </mc:Choice>
-        <mc:Fallback>
+        <mc:Fallback xmlns="">
           <p:sp>
             <p:nvSpPr>
               <p:cNvPr id="503" name="TextBox 502">
@@ -4851,8 +4785,8 @@
           </p:sp>
         </mc:Fallback>
       </mc:AlternateContent>
-      <mc:AlternateContent xmlns:mc="http://schemas.openxmlformats.org/markup-compatibility/2006">
-        <mc:Choice xmlns:a14="http://schemas.microsoft.com/office/drawing/2010/main" Requires="a14">
+      <mc:AlternateContent xmlns:mc="http://schemas.openxmlformats.org/markup-compatibility/2006" xmlns:a14="http://schemas.microsoft.com/office/drawing/2010/main">
+        <mc:Choice Requires="a14">
           <p:sp>
             <p:nvSpPr>
               <p:cNvPr id="504" name="TextBox 503">
@@ -4892,13 +4826,7 @@
                         <a:rPr lang="en-US" b="0" i="1" smtClean="0">
                           <a:latin typeface="Cambria Math" panose="02040503050406030204" pitchFamily="18" charset="0"/>
                         </a:rPr>
-                        <m:t>|2,1,7</m:t>
-                      </m:r>
-                      <m:r>
-                        <a:rPr lang="en-US" b="0" i="1" smtClean="0">
-                          <a:latin typeface="Cambria Math" panose="02040503050406030204" pitchFamily="18" charset="0"/>
-                        </a:rPr>
-                        <m:t>&gt;</m:t>
+                        <m:t>|2,1,7&gt;</m:t>
                       </m:r>
                     </m:oMath>
                   </m:oMathPara>
@@ -4908,7 +4836,7 @@
             </p:txBody>
           </p:sp>
         </mc:Choice>
-        <mc:Fallback>
+        <mc:Fallback xmlns="">
           <p:sp>
             <p:nvSpPr>
               <p:cNvPr id="504" name="TextBox 503">
@@ -4953,8 +4881,8 @@
           </p:sp>
         </mc:Fallback>
       </mc:AlternateContent>
-      <mc:AlternateContent xmlns:mc="http://schemas.openxmlformats.org/markup-compatibility/2006">
-        <mc:Choice xmlns:a14="http://schemas.microsoft.com/office/drawing/2010/main" Requires="a14">
+      <mc:AlternateContent xmlns:mc="http://schemas.openxmlformats.org/markup-compatibility/2006" xmlns:a14="http://schemas.microsoft.com/office/drawing/2010/main">
+        <mc:Choice Requires="a14">
           <p:sp>
             <p:nvSpPr>
               <p:cNvPr id="505" name="TextBox 504">
@@ -4994,13 +4922,7 @@
                         <a:rPr lang="en-US" b="0" i="1" smtClean="0">
                           <a:latin typeface="Cambria Math" panose="02040503050406030204" pitchFamily="18" charset="0"/>
                         </a:rPr>
-                        <m:t>|2,2,6</m:t>
-                      </m:r>
-                      <m:r>
-                        <a:rPr lang="en-US" b="0" i="1" smtClean="0">
-                          <a:latin typeface="Cambria Math" panose="02040503050406030204" pitchFamily="18" charset="0"/>
-                        </a:rPr>
-                        <m:t>&gt;</m:t>
+                        <m:t>|2,2,6&gt;</m:t>
                       </m:r>
                     </m:oMath>
                   </m:oMathPara>
@@ -5010,7 +4932,7 @@
             </p:txBody>
           </p:sp>
         </mc:Choice>
-        <mc:Fallback>
+        <mc:Fallback xmlns="">
           <p:sp>
             <p:nvSpPr>
               <p:cNvPr id="505" name="TextBox 504">
@@ -5055,8 +4977,8 @@
           </p:sp>
         </mc:Fallback>
       </mc:AlternateContent>
-      <mc:AlternateContent xmlns:mc="http://schemas.openxmlformats.org/markup-compatibility/2006">
-        <mc:Choice xmlns:a14="http://schemas.microsoft.com/office/drawing/2010/main" Requires="a14">
+      <mc:AlternateContent xmlns:mc="http://schemas.openxmlformats.org/markup-compatibility/2006" xmlns:a14="http://schemas.microsoft.com/office/drawing/2010/main">
+        <mc:Choice Requires="a14">
           <p:sp>
             <p:nvSpPr>
               <p:cNvPr id="506" name="TextBox 505">
@@ -5096,13 +5018,7 @@
                         <a:rPr lang="en-US" b="0" i="1" smtClean="0">
                           <a:latin typeface="Cambria Math" panose="02040503050406030204" pitchFamily="18" charset="0"/>
                         </a:rPr>
-                        <m:t>|2,3,5</m:t>
-                      </m:r>
-                      <m:r>
-                        <a:rPr lang="en-US" b="0" i="1" smtClean="0">
-                          <a:latin typeface="Cambria Math" panose="02040503050406030204" pitchFamily="18" charset="0"/>
-                        </a:rPr>
-                        <m:t>&gt;</m:t>
+                        <m:t>|2,3,5&gt;</m:t>
                       </m:r>
                     </m:oMath>
                   </m:oMathPara>
@@ -5112,7 +5028,7 @@
             </p:txBody>
           </p:sp>
         </mc:Choice>
-        <mc:Fallback>
+        <mc:Fallback xmlns="">
           <p:sp>
             <p:nvSpPr>
               <p:cNvPr id="506" name="TextBox 505">
@@ -5619,8 +5535,8 @@
           </a:fontRef>
         </p:style>
       </p:cxnSp>
-      <mc:AlternateContent xmlns:mc="http://schemas.openxmlformats.org/markup-compatibility/2006">
-        <mc:Choice xmlns:a14="http://schemas.microsoft.com/office/drawing/2010/main" Requires="a14">
+      <mc:AlternateContent xmlns:mc="http://schemas.openxmlformats.org/markup-compatibility/2006" xmlns:a14="http://schemas.microsoft.com/office/drawing/2010/main">
+        <mc:Choice Requires="a14">
           <p:sp>
             <p:nvSpPr>
               <p:cNvPr id="518" name="TextBox 517">
@@ -5660,13 +5576,7 @@
                         <a:rPr lang="en-US" b="0" i="1" smtClean="0">
                           <a:latin typeface="Cambria Math" panose="02040503050406030204" pitchFamily="18" charset="0"/>
                         </a:rPr>
-                        <m:t>|3,0,7</m:t>
-                      </m:r>
-                      <m:r>
-                        <a:rPr lang="en-US" b="0" i="1" smtClean="0">
-                          <a:latin typeface="Cambria Math" panose="02040503050406030204" pitchFamily="18" charset="0"/>
-                        </a:rPr>
-                        <m:t>&gt;</m:t>
+                        <m:t>|3,0,7&gt;</m:t>
                       </m:r>
                     </m:oMath>
                   </m:oMathPara>
@@ -5676,7 +5586,7 @@
             </p:txBody>
           </p:sp>
         </mc:Choice>
-        <mc:Fallback>
+        <mc:Fallback xmlns="">
           <p:sp>
             <p:nvSpPr>
               <p:cNvPr id="518" name="TextBox 517">
@@ -5721,8 +5631,8 @@
           </p:sp>
         </mc:Fallback>
       </mc:AlternateContent>
-      <mc:AlternateContent xmlns:mc="http://schemas.openxmlformats.org/markup-compatibility/2006">
-        <mc:Choice xmlns:a14="http://schemas.microsoft.com/office/drawing/2010/main" Requires="a14">
+      <mc:AlternateContent xmlns:mc="http://schemas.openxmlformats.org/markup-compatibility/2006" xmlns:a14="http://schemas.microsoft.com/office/drawing/2010/main">
+        <mc:Choice Requires="a14">
           <p:sp>
             <p:nvSpPr>
               <p:cNvPr id="519" name="TextBox 518">
@@ -5762,13 +5672,7 @@
                         <a:rPr lang="en-US" b="0" i="1" smtClean="0">
                           <a:latin typeface="Cambria Math" panose="02040503050406030204" pitchFamily="18" charset="0"/>
                         </a:rPr>
-                        <m:t>|3,1,6</m:t>
-                      </m:r>
-                      <m:r>
-                        <a:rPr lang="en-US" b="0" i="1" smtClean="0">
-                          <a:latin typeface="Cambria Math" panose="02040503050406030204" pitchFamily="18" charset="0"/>
-                        </a:rPr>
-                        <m:t>&gt;</m:t>
+                        <m:t>|3,1,6&gt;</m:t>
                       </m:r>
                     </m:oMath>
                   </m:oMathPara>
@@ -5778,7 +5682,7 @@
             </p:txBody>
           </p:sp>
         </mc:Choice>
-        <mc:Fallback>
+        <mc:Fallback xmlns="">
           <p:sp>
             <p:nvSpPr>
               <p:cNvPr id="519" name="TextBox 518">
@@ -5823,8 +5727,8 @@
           </p:sp>
         </mc:Fallback>
       </mc:AlternateContent>
-      <mc:AlternateContent xmlns:mc="http://schemas.openxmlformats.org/markup-compatibility/2006">
-        <mc:Choice xmlns:a14="http://schemas.microsoft.com/office/drawing/2010/main" Requires="a14">
+      <mc:AlternateContent xmlns:mc="http://schemas.openxmlformats.org/markup-compatibility/2006" xmlns:a14="http://schemas.microsoft.com/office/drawing/2010/main">
+        <mc:Choice Requires="a14">
           <p:sp>
             <p:nvSpPr>
               <p:cNvPr id="520" name="TextBox 519">
@@ -5864,13 +5768,7 @@
                         <a:rPr lang="en-US" b="0" i="1" smtClean="0">
                           <a:latin typeface="Cambria Math" panose="02040503050406030204" pitchFamily="18" charset="0"/>
                         </a:rPr>
-                        <m:t>|3,2,5</m:t>
-                      </m:r>
-                      <m:r>
-                        <a:rPr lang="en-US" b="0" i="1" smtClean="0">
-                          <a:latin typeface="Cambria Math" panose="02040503050406030204" pitchFamily="18" charset="0"/>
-                        </a:rPr>
-                        <m:t>&gt;</m:t>
+                        <m:t>|3,2,5&gt;</m:t>
                       </m:r>
                     </m:oMath>
                   </m:oMathPara>
@@ -5880,7 +5778,7 @@
             </p:txBody>
           </p:sp>
         </mc:Choice>
-        <mc:Fallback>
+        <mc:Fallback xmlns="">
           <p:sp>
             <p:nvSpPr>
               <p:cNvPr id="520" name="TextBox 519">
@@ -6219,8 +6117,8 @@
           </a:fontRef>
         </p:style>
       </p:cxnSp>
-      <mc:AlternateContent xmlns:mc="http://schemas.openxmlformats.org/markup-compatibility/2006">
-        <mc:Choice xmlns:a14="http://schemas.microsoft.com/office/drawing/2010/main" Requires="a14">
+      <mc:AlternateContent xmlns:mc="http://schemas.openxmlformats.org/markup-compatibility/2006" xmlns:a14="http://schemas.microsoft.com/office/drawing/2010/main">
+        <mc:Choice Requires="a14">
           <p:sp>
             <p:nvSpPr>
               <p:cNvPr id="528" name="TextBox 527">
@@ -6260,13 +6158,7 @@
                         <a:rPr lang="en-US" b="0" i="1" smtClean="0">
                           <a:latin typeface="Cambria Math" panose="02040503050406030204" pitchFamily="18" charset="0"/>
                         </a:rPr>
-                        <m:t>|4,0,6</m:t>
-                      </m:r>
-                      <m:r>
-                        <a:rPr lang="en-US" b="0" i="1" smtClean="0">
-                          <a:latin typeface="Cambria Math" panose="02040503050406030204" pitchFamily="18" charset="0"/>
-                        </a:rPr>
-                        <m:t>&gt;</m:t>
+                        <m:t>|4,0,6&gt;</m:t>
                       </m:r>
                     </m:oMath>
                   </m:oMathPara>
@@ -6276,7 +6168,7 @@
             </p:txBody>
           </p:sp>
         </mc:Choice>
-        <mc:Fallback>
+        <mc:Fallback xmlns="">
           <p:sp>
             <p:nvSpPr>
               <p:cNvPr id="528" name="TextBox 527">
@@ -6363,8 +6255,8 @@
           </a:fontRef>
         </p:style>
       </p:cxnSp>
-      <mc:AlternateContent xmlns:mc="http://schemas.openxmlformats.org/markup-compatibility/2006">
-        <mc:Choice xmlns:a14="http://schemas.microsoft.com/office/drawing/2010/main" Requires="a14">
+      <mc:AlternateContent xmlns:mc="http://schemas.openxmlformats.org/markup-compatibility/2006" xmlns:a14="http://schemas.microsoft.com/office/drawing/2010/main">
+        <mc:Choice Requires="a14">
           <p:sp>
             <p:nvSpPr>
               <p:cNvPr id="530" name="TextBox 529">
@@ -6404,25 +6296,7 @@
                         <a:rPr lang="en-US" b="0" i="1" smtClean="0">
                           <a:latin typeface="Cambria Math" panose="02040503050406030204" pitchFamily="18" charset="0"/>
                         </a:rPr>
-                        <m:t>|0,5</m:t>
-                      </m:r>
-                      <m:r>
-                        <a:rPr lang="en-US" b="0" i="1" smtClean="0">
-                          <a:latin typeface="Cambria Math" panose="02040503050406030204" pitchFamily="18" charset="0"/>
-                        </a:rPr>
-                        <m:t>,</m:t>
-                      </m:r>
-                      <m:r>
-                        <a:rPr lang="en-US" b="0" i="1" smtClean="0">
-                          <a:latin typeface="Cambria Math" panose="02040503050406030204" pitchFamily="18" charset="0"/>
-                        </a:rPr>
-                        <m:t>5</m:t>
-                      </m:r>
-                      <m:r>
-                        <a:rPr lang="en-US" b="0" i="1" smtClean="0">
-                          <a:latin typeface="Cambria Math" panose="02040503050406030204" pitchFamily="18" charset="0"/>
-                        </a:rPr>
-                        <m:t>&gt;</m:t>
+                        <m:t>|0,5,5&gt;</m:t>
                       </m:r>
                     </m:oMath>
                   </m:oMathPara>
@@ -6432,7 +6306,7 @@
             </p:txBody>
           </p:sp>
         </mc:Choice>
-        <mc:Fallback>
+        <mc:Fallback xmlns="">
           <p:sp>
             <p:nvSpPr>
               <p:cNvPr id="530" name="TextBox 529">
@@ -6603,8 +6477,8 @@
           </a:fontRef>
         </p:style>
       </p:cxnSp>
-      <mc:AlternateContent xmlns:mc="http://schemas.openxmlformats.org/markup-compatibility/2006">
-        <mc:Choice xmlns:a14="http://schemas.microsoft.com/office/drawing/2010/main" Requires="a14">
+      <mc:AlternateContent xmlns:mc="http://schemas.openxmlformats.org/markup-compatibility/2006" xmlns:a14="http://schemas.microsoft.com/office/drawing/2010/main">
+        <mc:Choice Requires="a14">
           <p:sp>
             <p:nvSpPr>
               <p:cNvPr id="534" name="TextBox 533">
@@ -6644,37 +6518,7 @@
                         <a:rPr lang="en-US" b="0" i="1" smtClean="0">
                           <a:latin typeface="Cambria Math" panose="02040503050406030204" pitchFamily="18" charset="0"/>
                         </a:rPr>
-                        <m:t>|4</m:t>
-                      </m:r>
-                      <m:r>
-                        <a:rPr lang="en-US" b="0" i="1" smtClean="0">
-                          <a:latin typeface="Cambria Math" panose="02040503050406030204" pitchFamily="18" charset="0"/>
-                        </a:rPr>
-                        <m:t>,</m:t>
-                      </m:r>
-                      <m:r>
-                        <a:rPr lang="en-US" b="0" i="1" smtClean="0">
-                          <a:latin typeface="Cambria Math" panose="02040503050406030204" pitchFamily="18" charset="0"/>
-                        </a:rPr>
-                        <m:t>1</m:t>
-                      </m:r>
-                      <m:r>
-                        <a:rPr lang="en-US" b="0" i="1" smtClean="0">
-                          <a:latin typeface="Cambria Math" panose="02040503050406030204" pitchFamily="18" charset="0"/>
-                        </a:rPr>
-                        <m:t>,</m:t>
-                      </m:r>
-                      <m:r>
-                        <a:rPr lang="en-US" b="0" i="1" smtClean="0">
-                          <a:latin typeface="Cambria Math" panose="02040503050406030204" pitchFamily="18" charset="0"/>
-                        </a:rPr>
-                        <m:t>5</m:t>
-                      </m:r>
-                      <m:r>
-                        <a:rPr lang="en-US" b="0" i="1" smtClean="0">
-                          <a:latin typeface="Cambria Math" panose="02040503050406030204" pitchFamily="18" charset="0"/>
-                        </a:rPr>
-                        <m:t>&gt;</m:t>
+                        <m:t>|4,1,5&gt;</m:t>
                       </m:r>
                     </m:oMath>
                   </m:oMathPara>
@@ -6684,7 +6528,7 @@
             </p:txBody>
           </p:sp>
         </mc:Choice>
-        <mc:Fallback>
+        <mc:Fallback xmlns="">
           <p:sp>
             <p:nvSpPr>
               <p:cNvPr id="534" name="TextBox 533">
@@ -6855,118 +6699,6 @@
           </a:fontRef>
         </p:style>
       </p:cxnSp>
-      <p:sp>
-        <p:nvSpPr>
-          <p:cNvPr id="2" name="U-Turn Arrow 1">
-            <a:extLst>
-              <a:ext uri="{FF2B5EF4-FFF2-40B4-BE49-F238E27FC236}">
-                <a16:creationId xmlns:a16="http://schemas.microsoft.com/office/drawing/2014/main" id="{CEF537F5-5035-FB4B-A231-819D57974E5B}"/>
-              </a:ext>
-            </a:extLst>
-          </p:cNvPr>
-          <p:cNvSpPr/>
-          <p:nvPr/>
-        </p:nvSpPr>
-        <p:spPr>
-          <a:xfrm rot="10800000">
-            <a:off x="461912" y="501161"/>
-            <a:ext cx="7953389" cy="4985231"/>
-          </a:xfrm>
-          <a:prstGeom prst="uturnArrow">
-            <a:avLst>
-              <a:gd name="adj1" fmla="val 1631"/>
-              <a:gd name="adj2" fmla="val 1957"/>
-              <a:gd name="adj3" fmla="val 3763"/>
-              <a:gd name="adj4" fmla="val 43750"/>
-              <a:gd name="adj5" fmla="val 20184"/>
-            </a:avLst>
-          </a:prstGeom>
-        </p:spPr>
-        <p:style>
-          <a:lnRef idx="2">
-            <a:schemeClr val="accent1">
-              <a:shade val="50000"/>
-            </a:schemeClr>
-          </a:lnRef>
-          <a:fillRef idx="1">
-            <a:schemeClr val="accent1"/>
-          </a:fillRef>
-          <a:effectRef idx="0">
-            <a:schemeClr val="accent1"/>
-          </a:effectRef>
-          <a:fontRef idx="minor">
-            <a:schemeClr val="lt1"/>
-          </a:fontRef>
-        </p:style>
-        <p:txBody>
-          <a:bodyPr rtlCol="0" anchor="ctr"/>
-          <a:lstStyle/>
-          <a:p>
-            <a:pPr algn="ctr"/>
-            <a:endParaRPr lang="en-US">
-              <a:solidFill>
-                <a:schemeClr val="tx1"/>
-              </a:solidFill>
-            </a:endParaRPr>
-          </a:p>
-        </p:txBody>
-      </p:sp>
-      <p:sp>
-        <p:nvSpPr>
-          <p:cNvPr id="538" name="U-Turn Arrow 537">
-            <a:extLst>
-              <a:ext uri="{FF2B5EF4-FFF2-40B4-BE49-F238E27FC236}">
-                <a16:creationId xmlns:a16="http://schemas.microsoft.com/office/drawing/2014/main" id="{1098CFF2-EE20-3149-AF8C-9CCB9EC31818}"/>
-              </a:ext>
-            </a:extLst>
-          </p:cNvPr>
-          <p:cNvSpPr/>
-          <p:nvPr/>
-        </p:nvSpPr>
-        <p:spPr>
-          <a:xfrm rot="10800000">
-            <a:off x="1974099" y="1402416"/>
-            <a:ext cx="4850905" cy="3720346"/>
-          </a:xfrm>
-          <a:prstGeom prst="uturnArrow">
-            <a:avLst>
-              <a:gd name="adj1" fmla="val 2391"/>
-              <a:gd name="adj2" fmla="val 2971"/>
-              <a:gd name="adj3" fmla="val 4016"/>
-              <a:gd name="adj4" fmla="val 43750"/>
-              <a:gd name="adj5" fmla="val 20184"/>
-            </a:avLst>
-          </a:prstGeom>
-        </p:spPr>
-        <p:style>
-          <a:lnRef idx="2">
-            <a:schemeClr val="accent1">
-              <a:shade val="50000"/>
-            </a:schemeClr>
-          </a:lnRef>
-          <a:fillRef idx="1">
-            <a:schemeClr val="accent1"/>
-          </a:fillRef>
-          <a:effectRef idx="0">
-            <a:schemeClr val="accent1"/>
-          </a:effectRef>
-          <a:fontRef idx="minor">
-            <a:schemeClr val="lt1"/>
-          </a:fontRef>
-        </p:style>
-        <p:txBody>
-          <a:bodyPr rtlCol="0" anchor="ctr"/>
-          <a:lstStyle/>
-          <a:p>
-            <a:pPr algn="ctr"/>
-            <a:endParaRPr lang="en-US">
-              <a:solidFill>
-                <a:schemeClr val="tx1"/>
-              </a:solidFill>
-            </a:endParaRPr>
-          </a:p>
-        </p:txBody>
-      </p:sp>
       <p:cxnSp>
         <p:nvCxnSpPr>
           <p:cNvPr id="539" name="Straight Arrow Connector 538">
@@ -7009,8 +6741,8 @@
           </a:fontRef>
         </p:style>
       </p:cxnSp>
-      <mc:AlternateContent xmlns:mc="http://schemas.openxmlformats.org/markup-compatibility/2006">
-        <mc:Choice xmlns:a14="http://schemas.microsoft.com/office/drawing/2010/main" Requires="a14">
+      <mc:AlternateContent xmlns:mc="http://schemas.openxmlformats.org/markup-compatibility/2006" xmlns:a14="http://schemas.microsoft.com/office/drawing/2010/main">
+        <mc:Choice Requires="a14">
           <p:sp>
             <p:nvSpPr>
               <p:cNvPr id="540" name="TextBox 539">
@@ -7050,13 +6782,7 @@
                         <a:rPr lang="en-US" b="0" i="1" smtClean="0">
                           <a:latin typeface="Cambria Math" panose="02040503050406030204" pitchFamily="18" charset="0"/>
                         </a:rPr>
-                        <m:t>|3,3,4</m:t>
-                      </m:r>
-                      <m:r>
-                        <a:rPr lang="en-US" b="0" i="1" smtClean="0">
-                          <a:latin typeface="Cambria Math" panose="02040503050406030204" pitchFamily="18" charset="0"/>
-                        </a:rPr>
-                        <m:t>&gt;</m:t>
+                        <m:t>|3,3,4&gt;</m:t>
                       </m:r>
                     </m:oMath>
                   </m:oMathPara>
@@ -7066,7 +6792,7 @@
             </p:txBody>
           </p:sp>
         </mc:Choice>
-        <mc:Fallback>
+        <mc:Fallback xmlns="">
           <p:sp>
             <p:nvSpPr>
               <p:cNvPr id="540" name="TextBox 539">
@@ -7137,6 +6863,1247 @@
             <a:headEnd type="triangle"/>
             <a:tailEnd type="triangle"/>
           </a:ln>
+        </p:spPr>
+        <p:style>
+          <a:lnRef idx="1">
+            <a:schemeClr val="accent1"/>
+          </a:lnRef>
+          <a:fillRef idx="0">
+            <a:schemeClr val="accent1"/>
+          </a:fillRef>
+          <a:effectRef idx="0">
+            <a:schemeClr val="accent1"/>
+          </a:effectRef>
+          <a:fontRef idx="minor">
+            <a:schemeClr val="tx1"/>
+          </a:fontRef>
+        </p:style>
+      </p:cxnSp>
+      <mc:AlternateContent xmlns:mc="http://schemas.openxmlformats.org/markup-compatibility/2006">
+        <mc:Choice xmlns:a14="http://schemas.microsoft.com/office/drawing/2010/main" Requires="a14">
+          <p:sp>
+            <p:nvSpPr>
+              <p:cNvPr id="70" name="TextBox 69">
+                <a:extLst>
+                  <a:ext uri="{FF2B5EF4-FFF2-40B4-BE49-F238E27FC236}">
+                    <a16:creationId xmlns:a16="http://schemas.microsoft.com/office/drawing/2014/main" id="{EB63B215-A480-4849-89B9-01997531EA02}"/>
+                  </a:ext>
+                </a:extLst>
+              </p:cNvPr>
+              <p:cNvSpPr txBox="1"/>
+              <p:nvPr/>
+            </p:nvSpPr>
+            <p:spPr>
+              <a:xfrm>
+                <a:off x="6407314" y="2120450"/>
+                <a:ext cx="844783" cy="276999"/>
+              </a:xfrm>
+              <a:prstGeom prst="rect">
+                <a:avLst/>
+              </a:prstGeom>
+              <a:noFill/>
+            </p:spPr>
+            <p:txBody>
+              <a:bodyPr wrap="none" lIns="0" tIns="0" rIns="0" bIns="0" rtlCol="0">
+                <a:spAutoFit/>
+              </a:bodyPr>
+              <a:lstStyle/>
+              <a:p>
+                <a:pPr/>
+                <a14:m>
+                  <m:oMathPara xmlns:m="http://schemas.openxmlformats.org/officeDocument/2006/math">
+                    <m:oMathParaPr>
+                      <m:jc m:val="centerGroup"/>
+                    </m:oMathParaPr>
+                    <m:oMath xmlns:m="http://schemas.openxmlformats.org/officeDocument/2006/math">
+                      <m:r>
+                        <a:rPr lang="en-US" b="0" i="1" smtClean="0">
+                          <a:latin typeface="Cambria Math" panose="02040503050406030204" pitchFamily="18" charset="0"/>
+                        </a:rPr>
+                        <m:t>|2,4</m:t>
+                      </m:r>
+                      <m:r>
+                        <a:rPr lang="en-US" b="0" i="1" smtClean="0">
+                          <a:latin typeface="Cambria Math" panose="02040503050406030204" pitchFamily="18" charset="0"/>
+                        </a:rPr>
+                        <m:t>,</m:t>
+                      </m:r>
+                      <m:r>
+                        <a:rPr lang="en-US" b="0" i="1" smtClean="0">
+                          <a:latin typeface="Cambria Math" panose="02040503050406030204" pitchFamily="18" charset="0"/>
+                        </a:rPr>
+                        <m:t>4</m:t>
+                      </m:r>
+                      <m:r>
+                        <a:rPr lang="en-US" b="0" i="1" smtClean="0">
+                          <a:latin typeface="Cambria Math" panose="02040503050406030204" pitchFamily="18" charset="0"/>
+                        </a:rPr>
+                        <m:t>&gt;</m:t>
+                      </m:r>
+                    </m:oMath>
+                  </m:oMathPara>
+                </a14:m>
+                <a:endParaRPr lang="en-US" dirty="0"/>
+              </a:p>
+            </p:txBody>
+          </p:sp>
+        </mc:Choice>
+        <mc:Fallback>
+          <p:sp>
+            <p:nvSpPr>
+              <p:cNvPr id="70" name="TextBox 69">
+                <a:extLst>
+                  <a:ext uri="{FF2B5EF4-FFF2-40B4-BE49-F238E27FC236}">
+                    <a16:creationId xmlns:a16="http://schemas.microsoft.com/office/drawing/2014/main" id="{EB63B215-A480-4849-89B9-01997531EA02}"/>
+                  </a:ext>
+                </a:extLst>
+              </p:cNvPr>
+              <p:cNvSpPr txBox="1">
+                <a:spLocks noRot="1" noChangeAspect="1" noMove="1" noResize="1" noEditPoints="1" noAdjustHandles="1" noChangeArrowheads="1" noChangeShapeType="1" noTextEdit="1"/>
+              </p:cNvSpPr>
+              <p:nvPr/>
+            </p:nvSpPr>
+            <p:spPr>
+              <a:xfrm>
+                <a:off x="6407314" y="2120450"/>
+                <a:ext cx="844783" cy="276999"/>
+              </a:xfrm>
+              <a:prstGeom prst="rect">
+                <a:avLst/>
+              </a:prstGeom>
+              <a:blipFill>
+                <a:blip r:embed="rId23"/>
+                <a:stretch>
+                  <a:fillRect l="-8824" t="-4545" r="-4412" b="-36364"/>
+                </a:stretch>
+              </a:blipFill>
+            </p:spPr>
+            <p:txBody>
+              <a:bodyPr/>
+              <a:lstStyle/>
+              <a:p>
+                <a:r>
+                  <a:rPr lang="en-US">
+                    <a:noFill/>
+                  </a:rPr>
+                  <a:t> </a:t>
+                </a:r>
+              </a:p>
+            </p:txBody>
+          </p:sp>
+        </mc:Fallback>
+      </mc:AlternateContent>
+      <p:cxnSp>
+        <p:nvCxnSpPr>
+          <p:cNvPr id="71" name="Straight Arrow Connector 70">
+            <a:extLst>
+              <a:ext uri="{FF2B5EF4-FFF2-40B4-BE49-F238E27FC236}">
+                <a16:creationId xmlns:a16="http://schemas.microsoft.com/office/drawing/2014/main" id="{F02C75BA-4AC9-DC4E-8657-E29A6759A11C}"/>
+              </a:ext>
+            </a:extLst>
+          </p:cNvPr>
+          <p:cNvCxnSpPr>
+            <a:cxnSpLocks/>
+          </p:cNvCxnSpPr>
+          <p:nvPr/>
+        </p:nvCxnSpPr>
+        <p:spPr>
+          <a:xfrm>
+            <a:off x="5708009" y="2258948"/>
+            <a:ext cx="685065" cy="0"/>
+          </a:xfrm>
+          <a:prstGeom prst="straightConnector1">
+            <a:avLst/>
+          </a:prstGeom>
+          <a:ln w="63500">
+            <a:headEnd type="triangle"/>
+            <a:tailEnd type="triangle"/>
+          </a:ln>
+        </p:spPr>
+        <p:style>
+          <a:lnRef idx="1">
+            <a:schemeClr val="accent1"/>
+          </a:lnRef>
+          <a:fillRef idx="0">
+            <a:schemeClr val="accent1"/>
+          </a:fillRef>
+          <a:effectRef idx="0">
+            <a:schemeClr val="accent1"/>
+          </a:effectRef>
+          <a:fontRef idx="minor">
+            <a:schemeClr val="tx1"/>
+          </a:fontRef>
+        </p:style>
+      </p:cxnSp>
+      <p:cxnSp>
+        <p:nvCxnSpPr>
+          <p:cNvPr id="72" name="Straight Arrow Connector 71">
+            <a:extLst>
+              <a:ext uri="{FF2B5EF4-FFF2-40B4-BE49-F238E27FC236}">
+                <a16:creationId xmlns:a16="http://schemas.microsoft.com/office/drawing/2014/main" id="{ED14FCEB-785B-3B4F-A542-236FF01EF3B7}"/>
+              </a:ext>
+            </a:extLst>
+          </p:cNvPr>
+          <p:cNvCxnSpPr>
+            <a:cxnSpLocks/>
+          </p:cNvCxnSpPr>
+          <p:nvPr/>
+        </p:nvCxnSpPr>
+        <p:spPr>
+          <a:xfrm>
+            <a:off x="6652426" y="1496670"/>
+            <a:ext cx="0" cy="623777"/>
+          </a:xfrm>
+          <a:prstGeom prst="straightConnector1">
+            <a:avLst/>
+          </a:prstGeom>
+          <a:ln w="63500">
+            <a:headEnd type="triangle"/>
+            <a:tailEnd type="triangle"/>
+          </a:ln>
+        </p:spPr>
+        <p:style>
+          <a:lnRef idx="1">
+            <a:schemeClr val="accent1"/>
+          </a:lnRef>
+          <a:fillRef idx="0">
+            <a:schemeClr val="accent1"/>
+          </a:fillRef>
+          <a:effectRef idx="0">
+            <a:schemeClr val="accent1"/>
+          </a:effectRef>
+          <a:fontRef idx="minor">
+            <a:schemeClr val="tx1"/>
+          </a:fontRef>
+        </p:style>
+      </p:cxnSp>
+      <p:cxnSp>
+        <p:nvCxnSpPr>
+          <p:cNvPr id="73" name="Straight Arrow Connector 72">
+            <a:extLst>
+              <a:ext uri="{FF2B5EF4-FFF2-40B4-BE49-F238E27FC236}">
+                <a16:creationId xmlns:a16="http://schemas.microsoft.com/office/drawing/2014/main" id="{DF839A1D-882E-2B42-B15A-0EAE5DC582CF}"/>
+              </a:ext>
+            </a:extLst>
+          </p:cNvPr>
+          <p:cNvCxnSpPr>
+            <a:cxnSpLocks/>
+          </p:cNvCxnSpPr>
+          <p:nvPr/>
+        </p:nvCxnSpPr>
+        <p:spPr>
+          <a:xfrm flipH="1">
+            <a:off x="5478593" y="2524024"/>
+            <a:ext cx="939374" cy="588882"/>
+          </a:xfrm>
+          <a:prstGeom prst="straightConnector1">
+            <a:avLst/>
+          </a:prstGeom>
+          <a:ln w="63500">
+            <a:headEnd type="triangle"/>
+            <a:tailEnd type="triangle"/>
+          </a:ln>
+        </p:spPr>
+        <p:style>
+          <a:lnRef idx="1">
+            <a:schemeClr val="accent1"/>
+          </a:lnRef>
+          <a:fillRef idx="0">
+            <a:schemeClr val="accent1"/>
+          </a:fillRef>
+          <a:effectRef idx="0">
+            <a:schemeClr val="accent1"/>
+          </a:effectRef>
+          <a:fontRef idx="minor">
+            <a:schemeClr val="tx1"/>
+          </a:fontRef>
+        </p:style>
+      </p:cxnSp>
+      <p:cxnSp>
+        <p:nvCxnSpPr>
+          <p:cNvPr id="5" name="Straight Connector 4">
+            <a:extLst>
+              <a:ext uri="{FF2B5EF4-FFF2-40B4-BE49-F238E27FC236}">
+                <a16:creationId xmlns:a16="http://schemas.microsoft.com/office/drawing/2014/main" id="{F8DCBE02-18E5-C54A-869B-7C3B58289A63}"/>
+              </a:ext>
+            </a:extLst>
+          </p:cNvPr>
+          <p:cNvCxnSpPr>
+            <a:cxnSpLocks/>
+          </p:cNvCxnSpPr>
+          <p:nvPr/>
+        </p:nvCxnSpPr>
+        <p:spPr>
+          <a:xfrm flipV="1">
+            <a:off x="6934525" y="1585241"/>
+            <a:ext cx="717523" cy="484187"/>
+          </a:xfrm>
+          <a:prstGeom prst="line">
+            <a:avLst/>
+          </a:prstGeom>
+          <a:ln w="63500"/>
+        </p:spPr>
+        <p:style>
+          <a:lnRef idx="1">
+            <a:schemeClr val="accent1"/>
+          </a:lnRef>
+          <a:fillRef idx="0">
+            <a:schemeClr val="accent1"/>
+          </a:fillRef>
+          <a:effectRef idx="0">
+            <a:schemeClr val="accent1"/>
+          </a:effectRef>
+          <a:fontRef idx="minor">
+            <a:schemeClr val="tx1"/>
+          </a:fontRef>
+        </p:style>
+      </p:cxnSp>
+      <p:cxnSp>
+        <p:nvCxnSpPr>
+          <p:cNvPr id="81" name="Straight Connector 80">
+            <a:extLst>
+              <a:ext uri="{FF2B5EF4-FFF2-40B4-BE49-F238E27FC236}">
+                <a16:creationId xmlns:a16="http://schemas.microsoft.com/office/drawing/2014/main" id="{0128539B-DE67-6449-A1F9-71728089DD46}"/>
+              </a:ext>
+            </a:extLst>
+          </p:cNvPr>
+          <p:cNvCxnSpPr>
+            <a:cxnSpLocks/>
+          </p:cNvCxnSpPr>
+          <p:nvPr/>
+        </p:nvCxnSpPr>
+        <p:spPr>
+          <a:xfrm flipV="1">
+            <a:off x="7630939" y="1585241"/>
+            <a:ext cx="0" cy="2687205"/>
+          </a:xfrm>
+          <a:prstGeom prst="line">
+            <a:avLst/>
+          </a:prstGeom>
+          <a:ln w="63500"/>
+        </p:spPr>
+        <p:style>
+          <a:lnRef idx="1">
+            <a:schemeClr val="accent1"/>
+          </a:lnRef>
+          <a:fillRef idx="0">
+            <a:schemeClr val="accent1"/>
+          </a:fillRef>
+          <a:effectRef idx="0">
+            <a:schemeClr val="accent1"/>
+          </a:effectRef>
+          <a:fontRef idx="minor">
+            <a:schemeClr val="tx1"/>
+          </a:fontRef>
+        </p:style>
+      </p:cxnSp>
+      <p:cxnSp>
+        <p:nvCxnSpPr>
+          <p:cNvPr id="84" name="Straight Connector 83">
+            <a:extLst>
+              <a:ext uri="{FF2B5EF4-FFF2-40B4-BE49-F238E27FC236}">
+                <a16:creationId xmlns:a16="http://schemas.microsoft.com/office/drawing/2014/main" id="{D509B039-04CC-9B49-B7A3-52CD2ADAA2FC}"/>
+              </a:ext>
+            </a:extLst>
+          </p:cNvPr>
+          <p:cNvCxnSpPr>
+            <a:cxnSpLocks/>
+          </p:cNvCxnSpPr>
+          <p:nvPr/>
+        </p:nvCxnSpPr>
+        <p:spPr>
+          <a:xfrm flipV="1">
+            <a:off x="2580236" y="4241789"/>
+            <a:ext cx="5059277" cy="31830"/>
+          </a:xfrm>
+          <a:prstGeom prst="line">
+            <a:avLst/>
+          </a:prstGeom>
+          <a:ln w="63500"/>
+        </p:spPr>
+        <p:style>
+          <a:lnRef idx="1">
+            <a:schemeClr val="accent1"/>
+          </a:lnRef>
+          <a:fillRef idx="0">
+            <a:schemeClr val="accent1"/>
+          </a:fillRef>
+          <a:effectRef idx="0">
+            <a:schemeClr val="accent1"/>
+          </a:effectRef>
+          <a:fontRef idx="minor">
+            <a:schemeClr val="tx1"/>
+          </a:fontRef>
+        </p:style>
+      </p:cxnSp>
+      <p:cxnSp>
+        <p:nvCxnSpPr>
+          <p:cNvPr id="90" name="Straight Connector 89">
+            <a:extLst>
+              <a:ext uri="{FF2B5EF4-FFF2-40B4-BE49-F238E27FC236}">
+                <a16:creationId xmlns:a16="http://schemas.microsoft.com/office/drawing/2014/main" id="{2132AB66-8488-1A45-B37B-1523DD4A9F99}"/>
+              </a:ext>
+            </a:extLst>
+          </p:cNvPr>
+          <p:cNvCxnSpPr>
+            <a:cxnSpLocks/>
+          </p:cNvCxnSpPr>
+          <p:nvPr/>
+        </p:nvCxnSpPr>
+        <p:spPr>
+          <a:xfrm flipV="1">
+            <a:off x="724515" y="4423767"/>
+            <a:ext cx="1064530" cy="736489"/>
+          </a:xfrm>
+          <a:prstGeom prst="line">
+            <a:avLst/>
+          </a:prstGeom>
+          <a:ln w="63500"/>
+        </p:spPr>
+        <p:style>
+          <a:lnRef idx="1">
+            <a:schemeClr val="accent1"/>
+          </a:lnRef>
+          <a:fillRef idx="0">
+            <a:schemeClr val="accent1"/>
+          </a:fillRef>
+          <a:effectRef idx="0">
+            <a:schemeClr val="accent1"/>
+          </a:effectRef>
+          <a:fontRef idx="minor">
+            <a:schemeClr val="tx1"/>
+          </a:fontRef>
+        </p:style>
+      </p:cxnSp>
+      <p:cxnSp>
+        <p:nvCxnSpPr>
+          <p:cNvPr id="92" name="Straight Connector 91">
+            <a:extLst>
+              <a:ext uri="{FF2B5EF4-FFF2-40B4-BE49-F238E27FC236}">
+                <a16:creationId xmlns:a16="http://schemas.microsoft.com/office/drawing/2014/main" id="{506AE53F-FEC7-4142-9F63-CD388E6D8879}"/>
+              </a:ext>
+            </a:extLst>
+          </p:cNvPr>
+          <p:cNvCxnSpPr>
+            <a:cxnSpLocks/>
+          </p:cNvCxnSpPr>
+          <p:nvPr/>
+        </p:nvCxnSpPr>
+        <p:spPr>
+          <a:xfrm flipV="1">
+            <a:off x="703249" y="5122774"/>
+            <a:ext cx="7716236" cy="35756"/>
+          </a:xfrm>
+          <a:prstGeom prst="line">
+            <a:avLst/>
+          </a:prstGeom>
+          <a:ln w="63500"/>
+        </p:spPr>
+        <p:style>
+          <a:lnRef idx="1">
+            <a:schemeClr val="accent1"/>
+          </a:lnRef>
+          <a:fillRef idx="0">
+            <a:schemeClr val="accent1"/>
+          </a:fillRef>
+          <a:effectRef idx="0">
+            <a:schemeClr val="accent1"/>
+          </a:effectRef>
+          <a:fontRef idx="minor">
+            <a:schemeClr val="tx1"/>
+          </a:fontRef>
+        </p:style>
+      </p:cxnSp>
+      <p:cxnSp>
+        <p:nvCxnSpPr>
+          <p:cNvPr id="96" name="Straight Connector 95">
+            <a:extLst>
+              <a:ext uri="{FF2B5EF4-FFF2-40B4-BE49-F238E27FC236}">
+                <a16:creationId xmlns:a16="http://schemas.microsoft.com/office/drawing/2014/main" id="{D6E5D0D0-F464-314A-A818-F4206783D503}"/>
+              </a:ext>
+            </a:extLst>
+          </p:cNvPr>
+          <p:cNvCxnSpPr>
+            <a:cxnSpLocks/>
+          </p:cNvCxnSpPr>
+          <p:nvPr/>
+        </p:nvCxnSpPr>
+        <p:spPr>
+          <a:xfrm flipV="1">
+            <a:off x="8389384" y="554709"/>
+            <a:ext cx="30101" cy="4556521"/>
+          </a:xfrm>
+          <a:prstGeom prst="line">
+            <a:avLst/>
+          </a:prstGeom>
+          <a:ln w="63500"/>
+        </p:spPr>
+        <p:style>
+          <a:lnRef idx="1">
+            <a:schemeClr val="accent1"/>
+          </a:lnRef>
+          <a:fillRef idx="0">
+            <a:schemeClr val="accent1"/>
+          </a:fillRef>
+          <a:effectRef idx="0">
+            <a:schemeClr val="accent1"/>
+          </a:effectRef>
+          <a:fontRef idx="minor">
+            <a:schemeClr val="tx1"/>
+          </a:fontRef>
+        </p:style>
+      </p:cxnSp>
+      <p:cxnSp>
+        <p:nvCxnSpPr>
+          <p:cNvPr id="101" name="Straight Connector 100">
+            <a:extLst>
+              <a:ext uri="{FF2B5EF4-FFF2-40B4-BE49-F238E27FC236}">
+                <a16:creationId xmlns:a16="http://schemas.microsoft.com/office/drawing/2014/main" id="{6B6F1D1C-3D85-9D44-B396-CAF092F474AA}"/>
+              </a:ext>
+            </a:extLst>
+          </p:cNvPr>
+          <p:cNvCxnSpPr>
+            <a:cxnSpLocks/>
+          </p:cNvCxnSpPr>
+          <p:nvPr/>
+        </p:nvCxnSpPr>
+        <p:spPr>
+          <a:xfrm flipV="1">
+            <a:off x="3656476" y="3378337"/>
+            <a:ext cx="2026" cy="637674"/>
+          </a:xfrm>
+          <a:prstGeom prst="line">
+            <a:avLst/>
+          </a:prstGeom>
+          <a:ln w="63500"/>
+        </p:spPr>
+        <p:style>
+          <a:lnRef idx="1">
+            <a:schemeClr val="accent1"/>
+          </a:lnRef>
+          <a:fillRef idx="0">
+            <a:schemeClr val="accent1"/>
+          </a:fillRef>
+          <a:effectRef idx="0">
+            <a:schemeClr val="accent1"/>
+          </a:effectRef>
+          <a:fontRef idx="minor">
+            <a:schemeClr val="tx1"/>
+          </a:fontRef>
+        </p:style>
+      </p:cxnSp>
+      <p:cxnSp>
+        <p:nvCxnSpPr>
+          <p:cNvPr id="106" name="Straight Connector 105">
+            <a:extLst>
+              <a:ext uri="{FF2B5EF4-FFF2-40B4-BE49-F238E27FC236}">
+                <a16:creationId xmlns:a16="http://schemas.microsoft.com/office/drawing/2014/main" id="{D88C7248-5365-B44B-B474-0F98633199B4}"/>
+              </a:ext>
+            </a:extLst>
+          </p:cNvPr>
+          <p:cNvCxnSpPr>
+            <a:cxnSpLocks/>
+          </p:cNvCxnSpPr>
+          <p:nvPr/>
+        </p:nvCxnSpPr>
+        <p:spPr>
+          <a:xfrm flipV="1">
+            <a:off x="3656476" y="3964787"/>
+            <a:ext cx="3795377" cy="15915"/>
+          </a:xfrm>
+          <a:prstGeom prst="line">
+            <a:avLst/>
+          </a:prstGeom>
+          <a:ln w="63500"/>
+        </p:spPr>
+        <p:style>
+          <a:lnRef idx="1">
+            <a:schemeClr val="accent1"/>
+          </a:lnRef>
+          <a:fillRef idx="0">
+            <a:schemeClr val="accent1"/>
+          </a:fillRef>
+          <a:effectRef idx="0">
+            <a:schemeClr val="accent1"/>
+          </a:effectRef>
+          <a:fontRef idx="minor">
+            <a:schemeClr val="tx1"/>
+          </a:fontRef>
+        </p:style>
+      </p:cxnSp>
+      <p:cxnSp>
+        <p:nvCxnSpPr>
+          <p:cNvPr id="108" name="Straight Connector 107">
+            <a:extLst>
+              <a:ext uri="{FF2B5EF4-FFF2-40B4-BE49-F238E27FC236}">
+                <a16:creationId xmlns:a16="http://schemas.microsoft.com/office/drawing/2014/main" id="{7D268CCD-AB07-2E46-9E28-F5E3E6C7CC78}"/>
+              </a:ext>
+            </a:extLst>
+          </p:cNvPr>
+          <p:cNvCxnSpPr>
+            <a:cxnSpLocks/>
+          </p:cNvCxnSpPr>
+          <p:nvPr/>
+        </p:nvCxnSpPr>
+        <p:spPr>
+          <a:xfrm flipV="1">
+            <a:off x="7424379" y="2226250"/>
+            <a:ext cx="12922" cy="1764571"/>
+          </a:xfrm>
+          <a:prstGeom prst="line">
+            <a:avLst/>
+          </a:prstGeom>
+          <a:ln w="63500"/>
+        </p:spPr>
+        <p:style>
+          <a:lnRef idx="1">
+            <a:schemeClr val="accent1"/>
+          </a:lnRef>
+          <a:fillRef idx="0">
+            <a:schemeClr val="accent1"/>
+          </a:fillRef>
+          <a:effectRef idx="0">
+            <a:schemeClr val="accent1"/>
+          </a:effectRef>
+          <a:fontRef idx="minor">
+            <a:schemeClr val="tx1"/>
+          </a:fontRef>
+        </p:style>
+      </p:cxnSp>
+      <p:cxnSp>
+        <p:nvCxnSpPr>
+          <p:cNvPr id="110" name="Straight Connector 109">
+            <a:extLst>
+              <a:ext uri="{FF2B5EF4-FFF2-40B4-BE49-F238E27FC236}">
+                <a16:creationId xmlns:a16="http://schemas.microsoft.com/office/drawing/2014/main" id="{D99ADCA3-CAFD-154E-B96F-3830302178C2}"/>
+              </a:ext>
+            </a:extLst>
+          </p:cNvPr>
+          <p:cNvCxnSpPr>
+            <a:cxnSpLocks/>
+          </p:cNvCxnSpPr>
+          <p:nvPr/>
+        </p:nvCxnSpPr>
+        <p:spPr>
+          <a:xfrm>
+            <a:off x="7256944" y="2253007"/>
+            <a:ext cx="199424" cy="0"/>
+          </a:xfrm>
+          <a:prstGeom prst="line">
+            <a:avLst/>
+          </a:prstGeom>
+          <a:ln w="63500"/>
+        </p:spPr>
+        <p:style>
+          <a:lnRef idx="1">
+            <a:schemeClr val="accent1"/>
+          </a:lnRef>
+          <a:fillRef idx="0">
+            <a:schemeClr val="accent1"/>
+          </a:fillRef>
+          <a:effectRef idx="0">
+            <a:schemeClr val="accent1"/>
+          </a:effectRef>
+          <a:fontRef idx="minor">
+            <a:schemeClr val="tx1"/>
+          </a:fontRef>
+        </p:style>
+      </p:cxnSp>
+      <p:cxnSp>
+        <p:nvCxnSpPr>
+          <p:cNvPr id="114" name="Straight Connector 113">
+            <a:extLst>
+              <a:ext uri="{FF2B5EF4-FFF2-40B4-BE49-F238E27FC236}">
+                <a16:creationId xmlns:a16="http://schemas.microsoft.com/office/drawing/2014/main" id="{19B5CC81-A546-F448-837F-E0F1AFDC55A8}"/>
+              </a:ext>
+            </a:extLst>
+          </p:cNvPr>
+          <p:cNvCxnSpPr>
+            <a:cxnSpLocks/>
+          </p:cNvCxnSpPr>
+          <p:nvPr/>
+        </p:nvCxnSpPr>
+        <p:spPr>
+          <a:xfrm flipV="1">
+            <a:off x="6739001" y="2441834"/>
+            <a:ext cx="0" cy="1416879"/>
+          </a:xfrm>
+          <a:prstGeom prst="line">
+            <a:avLst/>
+          </a:prstGeom>
+          <a:ln w="63500"/>
+        </p:spPr>
+        <p:style>
+          <a:lnRef idx="1">
+            <a:schemeClr val="accent1"/>
+          </a:lnRef>
+          <a:fillRef idx="0">
+            <a:schemeClr val="accent1"/>
+          </a:fillRef>
+          <a:effectRef idx="0">
+            <a:schemeClr val="accent1"/>
+          </a:effectRef>
+          <a:fontRef idx="minor">
+            <a:schemeClr val="tx1"/>
+          </a:fontRef>
+        </p:style>
+      </p:cxnSp>
+      <p:sp>
+        <p:nvSpPr>
+          <p:cNvPr id="32" name="Donut 31">
+            <a:extLst>
+              <a:ext uri="{FF2B5EF4-FFF2-40B4-BE49-F238E27FC236}">
+                <a16:creationId xmlns:a16="http://schemas.microsoft.com/office/drawing/2014/main" id="{7F62E463-F564-5748-BFCC-265D0179479E}"/>
+              </a:ext>
+            </a:extLst>
+          </p:cNvPr>
+          <p:cNvSpPr/>
+          <p:nvPr/>
+        </p:nvSpPr>
+        <p:spPr>
+          <a:xfrm>
+            <a:off x="5029379" y="3547886"/>
+            <a:ext cx="270200" cy="267613"/>
+          </a:xfrm>
+          <a:prstGeom prst="donut">
+            <a:avLst/>
+          </a:prstGeom>
+        </p:spPr>
+        <p:style>
+          <a:lnRef idx="2">
+            <a:schemeClr val="accent1">
+              <a:shade val="50000"/>
+            </a:schemeClr>
+          </a:lnRef>
+          <a:fillRef idx="1">
+            <a:schemeClr val="accent1"/>
+          </a:fillRef>
+          <a:effectRef idx="0">
+            <a:schemeClr val="accent1"/>
+          </a:effectRef>
+          <a:fontRef idx="minor">
+            <a:schemeClr val="lt1"/>
+          </a:fontRef>
+        </p:style>
+        <p:txBody>
+          <a:bodyPr rtlCol="0" anchor="ctr"/>
+          <a:lstStyle/>
+          <a:p>
+            <a:pPr algn="ctr"/>
+            <a:endParaRPr lang="en-US">
+              <a:solidFill>
+                <a:schemeClr val="tx1"/>
+              </a:solidFill>
+            </a:endParaRPr>
+          </a:p>
+        </p:txBody>
+      </p:sp>
+      <p:cxnSp>
+        <p:nvCxnSpPr>
+          <p:cNvPr id="118" name="Straight Connector 117">
+            <a:extLst>
+              <a:ext uri="{FF2B5EF4-FFF2-40B4-BE49-F238E27FC236}">
+                <a16:creationId xmlns:a16="http://schemas.microsoft.com/office/drawing/2014/main" id="{7C2D471E-E924-714C-8946-E606AE1C3074}"/>
+              </a:ext>
+            </a:extLst>
+          </p:cNvPr>
+          <p:cNvCxnSpPr>
+            <a:cxnSpLocks/>
+            <a:stCxn id="32" idx="0"/>
+          </p:cNvCxnSpPr>
+          <p:nvPr/>
+        </p:nvCxnSpPr>
+        <p:spPr>
+          <a:xfrm flipV="1">
+            <a:off x="5164479" y="3357110"/>
+            <a:ext cx="4744" cy="190776"/>
+          </a:xfrm>
+          <a:prstGeom prst="line">
+            <a:avLst/>
+          </a:prstGeom>
+          <a:ln w="63500"/>
+        </p:spPr>
+        <p:style>
+          <a:lnRef idx="1">
+            <a:schemeClr val="accent1"/>
+          </a:lnRef>
+          <a:fillRef idx="0">
+            <a:schemeClr val="accent1"/>
+          </a:fillRef>
+          <a:effectRef idx="0">
+            <a:schemeClr val="accent1"/>
+          </a:effectRef>
+          <a:fontRef idx="minor">
+            <a:schemeClr val="tx1"/>
+          </a:fontRef>
+        </p:style>
+      </p:cxnSp>
+      <p:sp>
+        <p:nvSpPr>
+          <p:cNvPr id="120" name="Donut 119">
+            <a:extLst>
+              <a:ext uri="{FF2B5EF4-FFF2-40B4-BE49-F238E27FC236}">
+                <a16:creationId xmlns:a16="http://schemas.microsoft.com/office/drawing/2014/main" id="{5BCA8BE5-6A4A-CD49-A80E-67D207EEBC99}"/>
+              </a:ext>
+            </a:extLst>
+          </p:cNvPr>
+          <p:cNvSpPr/>
+          <p:nvPr/>
+        </p:nvSpPr>
+        <p:spPr>
+          <a:xfrm>
+            <a:off x="5894627" y="3104536"/>
+            <a:ext cx="270200" cy="267613"/>
+          </a:xfrm>
+          <a:prstGeom prst="donut">
+            <a:avLst/>
+          </a:prstGeom>
+        </p:spPr>
+        <p:style>
+          <a:lnRef idx="2">
+            <a:schemeClr val="accent1">
+              <a:shade val="50000"/>
+            </a:schemeClr>
+          </a:lnRef>
+          <a:fillRef idx="1">
+            <a:schemeClr val="accent1"/>
+          </a:fillRef>
+          <a:effectRef idx="0">
+            <a:schemeClr val="accent1"/>
+          </a:effectRef>
+          <a:fontRef idx="minor">
+            <a:schemeClr val="lt1"/>
+          </a:fontRef>
+        </p:style>
+        <p:txBody>
+          <a:bodyPr rtlCol="0" anchor="ctr"/>
+          <a:lstStyle/>
+          <a:p>
+            <a:pPr algn="ctr"/>
+            <a:endParaRPr lang="en-US">
+              <a:solidFill>
+                <a:schemeClr val="tx1"/>
+              </a:solidFill>
+            </a:endParaRPr>
+          </a:p>
+        </p:txBody>
+      </p:sp>
+      <p:cxnSp>
+        <p:nvCxnSpPr>
+          <p:cNvPr id="121" name="Straight Connector 120">
+            <a:extLst>
+              <a:ext uri="{FF2B5EF4-FFF2-40B4-BE49-F238E27FC236}">
+                <a16:creationId xmlns:a16="http://schemas.microsoft.com/office/drawing/2014/main" id="{676FDB3C-E624-DD4F-B3A1-13B67438C2CC}"/>
+              </a:ext>
+            </a:extLst>
+          </p:cNvPr>
+          <p:cNvCxnSpPr>
+            <a:cxnSpLocks/>
+            <a:stCxn id="120" idx="2"/>
+            <a:endCxn id="540" idx="3"/>
+          </p:cNvCxnSpPr>
+          <p:nvPr/>
+        </p:nvCxnSpPr>
+        <p:spPr>
+          <a:xfrm flipH="1">
+            <a:off x="5653908" y="3238343"/>
+            <a:ext cx="240719" cy="1491"/>
+          </a:xfrm>
+          <a:prstGeom prst="line">
+            <a:avLst/>
+          </a:prstGeom>
+          <a:ln w="63500"/>
+        </p:spPr>
+        <p:style>
+          <a:lnRef idx="1">
+            <a:schemeClr val="accent1"/>
+          </a:lnRef>
+          <a:fillRef idx="0">
+            <a:schemeClr val="accent1"/>
+          </a:fillRef>
+          <a:effectRef idx="0">
+            <a:schemeClr val="accent1"/>
+          </a:effectRef>
+          <a:fontRef idx="minor">
+            <a:schemeClr val="tx1"/>
+          </a:fontRef>
+        </p:style>
+      </p:cxnSp>
+      <p:cxnSp>
+        <p:nvCxnSpPr>
+          <p:cNvPr id="125" name="Straight Connector 124">
+            <a:extLst>
+              <a:ext uri="{FF2B5EF4-FFF2-40B4-BE49-F238E27FC236}">
+                <a16:creationId xmlns:a16="http://schemas.microsoft.com/office/drawing/2014/main" id="{1E92F0D4-9FCB-CD4E-BD93-FD53FE5C43C2}"/>
+              </a:ext>
+            </a:extLst>
+          </p:cNvPr>
+          <p:cNvCxnSpPr>
+            <a:cxnSpLocks/>
+          </p:cNvCxnSpPr>
+          <p:nvPr/>
+        </p:nvCxnSpPr>
+        <p:spPr>
+          <a:xfrm flipV="1">
+            <a:off x="4026386" y="3862198"/>
+            <a:ext cx="2745810" cy="5682"/>
+          </a:xfrm>
+          <a:prstGeom prst="line">
+            <a:avLst/>
+          </a:prstGeom>
+          <a:ln w="63500"/>
+        </p:spPr>
+        <p:style>
+          <a:lnRef idx="1">
+            <a:schemeClr val="accent1"/>
+          </a:lnRef>
+          <a:fillRef idx="0">
+            <a:schemeClr val="accent1"/>
+          </a:fillRef>
+          <a:effectRef idx="0">
+            <a:schemeClr val="accent1"/>
+          </a:effectRef>
+          <a:fontRef idx="minor">
+            <a:schemeClr val="tx1"/>
+          </a:fontRef>
+        </p:style>
+      </p:cxnSp>
+      <p:cxnSp>
+        <p:nvCxnSpPr>
+          <p:cNvPr id="127" name="Straight Connector 126">
+            <a:extLst>
+              <a:ext uri="{FF2B5EF4-FFF2-40B4-BE49-F238E27FC236}">
+                <a16:creationId xmlns:a16="http://schemas.microsoft.com/office/drawing/2014/main" id="{49EBBE72-FF1D-EE4B-85A2-4A527517C61E}"/>
+              </a:ext>
+            </a:extLst>
+          </p:cNvPr>
+          <p:cNvCxnSpPr>
+            <a:cxnSpLocks/>
+          </p:cNvCxnSpPr>
+          <p:nvPr/>
+        </p:nvCxnSpPr>
+        <p:spPr>
+          <a:xfrm flipV="1">
+            <a:off x="4056147" y="3387500"/>
+            <a:ext cx="777871" cy="471213"/>
+          </a:xfrm>
+          <a:prstGeom prst="line">
+            <a:avLst/>
+          </a:prstGeom>
+          <a:ln w="63500"/>
+        </p:spPr>
+        <p:style>
+          <a:lnRef idx="1">
+            <a:schemeClr val="accent1"/>
+          </a:lnRef>
+          <a:fillRef idx="0">
+            <a:schemeClr val="accent1"/>
+          </a:fillRef>
+          <a:effectRef idx="0">
+            <a:schemeClr val="accent1"/>
+          </a:effectRef>
+          <a:fontRef idx="minor">
+            <a:schemeClr val="tx1"/>
+          </a:fontRef>
+        </p:style>
+      </p:cxnSp>
+      <p:cxnSp>
+        <p:nvCxnSpPr>
+          <p:cNvPr id="131" name="Straight Connector 130">
+            <a:extLst>
+              <a:ext uri="{FF2B5EF4-FFF2-40B4-BE49-F238E27FC236}">
+                <a16:creationId xmlns:a16="http://schemas.microsoft.com/office/drawing/2014/main" id="{F74FF020-C125-8949-BCEA-264D5734D7C5}"/>
+              </a:ext>
+            </a:extLst>
+          </p:cNvPr>
+          <p:cNvCxnSpPr>
+            <a:cxnSpLocks/>
+          </p:cNvCxnSpPr>
+          <p:nvPr/>
+        </p:nvCxnSpPr>
+        <p:spPr>
+          <a:xfrm flipV="1">
+            <a:off x="2096773" y="4402791"/>
+            <a:ext cx="0" cy="389220"/>
+          </a:xfrm>
+          <a:prstGeom prst="line">
+            <a:avLst/>
+          </a:prstGeom>
+          <a:ln w="63500"/>
+        </p:spPr>
+        <p:style>
+          <a:lnRef idx="1">
+            <a:schemeClr val="accent1"/>
+          </a:lnRef>
+          <a:fillRef idx="0">
+            <a:schemeClr val="accent1"/>
+          </a:fillRef>
+          <a:effectRef idx="0">
+            <a:schemeClr val="accent1"/>
+          </a:effectRef>
+          <a:fontRef idx="minor">
+            <a:schemeClr val="tx1"/>
+          </a:fontRef>
+        </p:style>
+      </p:cxnSp>
+      <p:cxnSp>
+        <p:nvCxnSpPr>
+          <p:cNvPr id="133" name="Straight Connector 132">
+            <a:extLst>
+              <a:ext uri="{FF2B5EF4-FFF2-40B4-BE49-F238E27FC236}">
+                <a16:creationId xmlns:a16="http://schemas.microsoft.com/office/drawing/2014/main" id="{9B2D5C4B-E5C1-A742-B253-DAF31DD9E22D}"/>
+              </a:ext>
+            </a:extLst>
+          </p:cNvPr>
+          <p:cNvCxnSpPr>
+            <a:cxnSpLocks/>
+          </p:cNvCxnSpPr>
+          <p:nvPr/>
+        </p:nvCxnSpPr>
+        <p:spPr>
+          <a:xfrm flipV="1">
+            <a:off x="2060984" y="4760013"/>
+            <a:ext cx="5943149" cy="6427"/>
+          </a:xfrm>
+          <a:prstGeom prst="line">
+            <a:avLst/>
+          </a:prstGeom>
+          <a:ln w="63500"/>
+        </p:spPr>
+        <p:style>
+          <a:lnRef idx="1">
+            <a:schemeClr val="accent1"/>
+          </a:lnRef>
+          <a:fillRef idx="0">
+            <a:schemeClr val="accent1"/>
+          </a:fillRef>
+          <a:effectRef idx="0">
+            <a:schemeClr val="accent1"/>
+          </a:effectRef>
+          <a:fontRef idx="minor">
+            <a:schemeClr val="tx1"/>
+          </a:fontRef>
+        </p:style>
+      </p:cxnSp>
+      <p:cxnSp>
+        <p:nvCxnSpPr>
+          <p:cNvPr id="135" name="Straight Connector 134">
+            <a:extLst>
+              <a:ext uri="{FF2B5EF4-FFF2-40B4-BE49-F238E27FC236}">
+                <a16:creationId xmlns:a16="http://schemas.microsoft.com/office/drawing/2014/main" id="{4D7FDB01-92BA-5E46-83A7-4DBB654B4525}"/>
+              </a:ext>
+            </a:extLst>
+          </p:cNvPr>
+          <p:cNvCxnSpPr>
+            <a:cxnSpLocks/>
+          </p:cNvCxnSpPr>
+          <p:nvPr/>
+        </p:nvCxnSpPr>
+        <p:spPr>
+          <a:xfrm flipV="1">
+            <a:off x="7993807" y="1275035"/>
+            <a:ext cx="10326" cy="3499920"/>
+          </a:xfrm>
+          <a:prstGeom prst="line">
+            <a:avLst/>
+          </a:prstGeom>
+          <a:ln w="63500"/>
+        </p:spPr>
+        <p:style>
+          <a:lnRef idx="1">
+            <a:schemeClr val="accent1"/>
+          </a:lnRef>
+          <a:fillRef idx="0">
+            <a:schemeClr val="accent1"/>
+          </a:fillRef>
+          <a:effectRef idx="0">
+            <a:schemeClr val="accent1"/>
+          </a:effectRef>
+          <a:fontRef idx="minor">
+            <a:schemeClr val="tx1"/>
+          </a:fontRef>
+        </p:style>
+      </p:cxnSp>
+      <p:cxnSp>
+        <p:nvCxnSpPr>
+          <p:cNvPr id="137" name="Straight Connector 136">
+            <a:extLst>
+              <a:ext uri="{FF2B5EF4-FFF2-40B4-BE49-F238E27FC236}">
+                <a16:creationId xmlns:a16="http://schemas.microsoft.com/office/drawing/2014/main" id="{F70F17C7-B099-2449-B871-4DBECA05D7F8}"/>
+              </a:ext>
+            </a:extLst>
+          </p:cNvPr>
+          <p:cNvCxnSpPr>
+            <a:cxnSpLocks/>
+          </p:cNvCxnSpPr>
+          <p:nvPr/>
+        </p:nvCxnSpPr>
+        <p:spPr>
+          <a:xfrm>
+            <a:off x="7356656" y="1284795"/>
+            <a:ext cx="668743" cy="0"/>
+          </a:xfrm>
+          <a:prstGeom prst="line">
+            <a:avLst/>
+          </a:prstGeom>
+          <a:ln w="63500"/>
+        </p:spPr>
+        <p:style>
+          <a:lnRef idx="1">
+            <a:schemeClr val="accent1"/>
+          </a:lnRef>
+          <a:fillRef idx="0">
+            <a:schemeClr val="accent1"/>
+          </a:fillRef>
+          <a:effectRef idx="0">
+            <a:schemeClr val="accent1"/>
+          </a:effectRef>
+          <a:fontRef idx="minor">
+            <a:schemeClr val="tx1"/>
+          </a:fontRef>
+        </p:style>
+      </p:cxnSp>
+      <p:cxnSp>
+        <p:nvCxnSpPr>
+          <p:cNvPr id="141" name="Straight Connector 140">
+            <a:extLst>
+              <a:ext uri="{FF2B5EF4-FFF2-40B4-BE49-F238E27FC236}">
+                <a16:creationId xmlns:a16="http://schemas.microsoft.com/office/drawing/2014/main" id="{B221B25B-ED95-D249-AB07-2EF0C2035C2D}"/>
+              </a:ext>
+            </a:extLst>
+          </p:cNvPr>
+          <p:cNvCxnSpPr>
+            <a:cxnSpLocks/>
+          </p:cNvCxnSpPr>
+          <p:nvPr/>
+        </p:nvCxnSpPr>
+        <p:spPr>
+          <a:xfrm flipH="1" flipV="1">
+            <a:off x="481064" y="4447603"/>
+            <a:ext cx="8516" cy="936703"/>
+          </a:xfrm>
+          <a:prstGeom prst="line">
+            <a:avLst/>
+          </a:prstGeom>
+          <a:ln w="63500"/>
+        </p:spPr>
+        <p:style>
+          <a:lnRef idx="1">
+            <a:schemeClr val="accent1"/>
+          </a:lnRef>
+          <a:fillRef idx="0">
+            <a:schemeClr val="accent1"/>
+          </a:fillRef>
+          <a:effectRef idx="0">
+            <a:schemeClr val="accent1"/>
+          </a:effectRef>
+          <a:fontRef idx="minor">
+            <a:schemeClr val="tx1"/>
+          </a:fontRef>
+        </p:style>
+      </p:cxnSp>
+      <p:cxnSp>
+        <p:nvCxnSpPr>
+          <p:cNvPr id="143" name="Straight Connector 142">
+            <a:extLst>
+              <a:ext uri="{FF2B5EF4-FFF2-40B4-BE49-F238E27FC236}">
+                <a16:creationId xmlns:a16="http://schemas.microsoft.com/office/drawing/2014/main" id="{BAE85042-1BD8-AD49-83B2-0C86A50BFDEF}"/>
+              </a:ext>
+            </a:extLst>
+          </p:cNvPr>
+          <p:cNvCxnSpPr>
+            <a:cxnSpLocks/>
+          </p:cNvCxnSpPr>
+          <p:nvPr/>
+        </p:nvCxnSpPr>
+        <p:spPr>
+          <a:xfrm>
+            <a:off x="479691" y="5353294"/>
+            <a:ext cx="8528652" cy="31012"/>
+          </a:xfrm>
+          <a:prstGeom prst="line">
+            <a:avLst/>
+          </a:prstGeom>
+          <a:ln w="63500"/>
+        </p:spPr>
+        <p:style>
+          <a:lnRef idx="1">
+            <a:schemeClr val="accent1"/>
+          </a:lnRef>
+          <a:fillRef idx="0">
+            <a:schemeClr val="accent1"/>
+          </a:fillRef>
+          <a:effectRef idx="0">
+            <a:schemeClr val="accent1"/>
+          </a:effectRef>
+          <a:fontRef idx="minor">
+            <a:schemeClr val="tx1"/>
+          </a:fontRef>
+        </p:style>
+      </p:cxnSp>
+      <p:cxnSp>
+        <p:nvCxnSpPr>
+          <p:cNvPr id="145" name="Straight Connector 144">
+            <a:extLst>
+              <a:ext uri="{FF2B5EF4-FFF2-40B4-BE49-F238E27FC236}">
+                <a16:creationId xmlns:a16="http://schemas.microsoft.com/office/drawing/2014/main" id="{5178859D-52E2-1848-8C01-959DA82300FD}"/>
+              </a:ext>
+            </a:extLst>
+          </p:cNvPr>
+          <p:cNvCxnSpPr>
+            <a:cxnSpLocks/>
+          </p:cNvCxnSpPr>
+          <p:nvPr/>
+        </p:nvCxnSpPr>
+        <p:spPr>
+          <a:xfrm flipV="1">
+            <a:off x="8978086" y="342057"/>
+            <a:ext cx="0" cy="5017844"/>
+          </a:xfrm>
+          <a:prstGeom prst="line">
+            <a:avLst/>
+          </a:prstGeom>
+          <a:ln w="63500"/>
+        </p:spPr>
+        <p:style>
+          <a:lnRef idx="1">
+            <a:schemeClr val="accent1"/>
+          </a:lnRef>
+          <a:fillRef idx="0">
+            <a:schemeClr val="accent1"/>
+          </a:fillRef>
+          <a:effectRef idx="0">
+            <a:schemeClr val="accent1"/>
+          </a:effectRef>
+          <a:fontRef idx="minor">
+            <a:schemeClr val="tx1"/>
+          </a:fontRef>
+        </p:style>
+      </p:cxnSp>
+      <p:cxnSp>
+        <p:nvCxnSpPr>
+          <p:cNvPr id="147" name="Straight Connector 146">
+            <a:extLst>
+              <a:ext uri="{FF2B5EF4-FFF2-40B4-BE49-F238E27FC236}">
+                <a16:creationId xmlns:a16="http://schemas.microsoft.com/office/drawing/2014/main" id="{17D8508D-0AAF-544D-BEAB-8C83D80CB549}"/>
+              </a:ext>
+            </a:extLst>
+          </p:cNvPr>
+          <p:cNvCxnSpPr>
+            <a:cxnSpLocks/>
+            <a:stCxn id="530" idx="3"/>
+          </p:cNvCxnSpPr>
+          <p:nvPr/>
+        </p:nvCxnSpPr>
+        <p:spPr>
+          <a:xfrm flipV="1">
+            <a:off x="8785530" y="363626"/>
+            <a:ext cx="222813" cy="486"/>
+          </a:xfrm>
+          <a:prstGeom prst="line">
+            <a:avLst/>
+          </a:prstGeom>
+          <a:ln w="63500"/>
         </p:spPr>
         <p:style>
           <a:lnRef idx="1">
